--- a/Presentation.pptx
+++ b/Presentation.pptx
@@ -223,7 +223,7 @@
           <a:p>
             <a:fld id="{F91A078D-FAF8-495E-A6AD-1DEBD5C1D6D4}" type="datetimeFigureOut">
               <a:rPr lang="en-US" smtClean="0"/>
-              <a:t>12/1/2025</a:t>
+              <a:t>12/3/2025</a:t>
             </a:fld>
             <a:endParaRPr lang="en-US"/>
           </a:p>
@@ -401,7 +401,7 @@
           <a:p>
             <a:fld id="{144EF810-3FAD-4D5F-ACD9-02D74FD27771}" type="datetimeFigureOut">
               <a:rPr lang="en-US" smtClean="0"/>
-              <a:t>12/1/2025</a:t>
+              <a:t>12/3/2025</a:t>
             </a:fld>
             <a:endParaRPr lang="en-US"/>
           </a:p>
@@ -5420,6 +5420,53 @@
           </a:ln>
         </p:spPr>
       </p:cxnSp>
+      <p:pic>
+        <p:nvPicPr>
+          <p:cNvPr id="1026" name="Picture 2">
+            <a:extLst>
+              <a:ext uri="{FF2B5EF4-FFF2-40B4-BE49-F238E27FC236}">
+                <a16:creationId xmlns:a16="http://schemas.microsoft.com/office/drawing/2014/main" id="{58633CB6-8723-FC0C-312E-B2EF2E378150}"/>
+              </a:ext>
+            </a:extLst>
+          </p:cNvPr>
+          <p:cNvPicPr>
+            <a:picLocks noChangeAspect="1" noChangeArrowheads="1"/>
+          </p:cNvPicPr>
+          <p:nvPr/>
+        </p:nvPicPr>
+        <p:blipFill>
+          <a:blip r:embed="rId2">
+            <a:extLst>
+              <a:ext uri="{28A0092B-C50C-407E-A947-70E740481C1C}">
+                <a14:useLocalDpi xmlns:a14="http://schemas.microsoft.com/office/drawing/2010/main" val="0"/>
+              </a:ext>
+            </a:extLst>
+          </a:blip>
+          <a:srcRect/>
+          <a:stretch>
+            <a:fillRect/>
+          </a:stretch>
+        </p:blipFill>
+        <p:spPr bwMode="auto">
+          <a:xfrm>
+            <a:off x="228600" y="147393"/>
+            <a:ext cx="1344765" cy="1344765"/>
+          </a:xfrm>
+          <a:prstGeom prst="rect">
+            <a:avLst/>
+          </a:prstGeom>
+          <a:noFill/>
+          <a:extLst>
+            <a:ext uri="{909E8E84-426E-40DD-AFC4-6F175D3DCCD1}">
+              <a14:hiddenFill xmlns:a14="http://schemas.microsoft.com/office/drawing/2010/main">
+                <a:solidFill>
+                  <a:srgbClr val="FFFFFF"/>
+                </a:solidFill>
+              </a14:hiddenFill>
+            </a:ext>
+          </a:extLst>
+        </p:spPr>
+      </p:pic>
     </p:spTree>
   </p:cSld>
   <p:clrMapOvr>

--- a/Presentation.pptx
+++ b/Presentation.pptx
@@ -6039,7 +6039,7 @@
         </p:spPr>
         <p:txBody>
           <a:bodyPr lIns="91440" tIns="91440" rIns="91440" bIns="91440" anchor="t">
-            <a:normAutofit lnSpcReduction="10000"/>
+            <a:normAutofit/>
           </a:bodyPr>
           <a:lstStyle/>
           <a:p>
@@ -6102,7 +6102,7 @@
               <a:rPr lang="en-US" sz="1400" dirty="0">
                 <a:latin typeface="Space Grotesk"/>
               </a:rPr>
-              <a:t> file, including table creation, data manipulation, queries, joins, a view, a stored procedure, a function, a trigger, and a transaction.</a:t>
+              <a:t> file, including table creation, data manipulation, queries, joins, a view, a function and trigger.</a:t>
             </a:r>
             <a:endParaRPr lang="en-US" sz="2800" b="0" u="none" strike="noStrike" dirty="0">
               <a:solidFill>
@@ -8705,8 +8705,8 @@
         </p:nvSpPr>
         <p:spPr>
           <a:xfrm>
-            <a:off x="286086" y="943470"/>
-            <a:ext cx="3407609" cy="3905256"/>
+            <a:off x="286086" y="1476322"/>
+            <a:ext cx="3407609" cy="3372404"/>
           </a:xfrm>
           <a:prstGeom prst="rect">
             <a:avLst/>
@@ -8787,50 +8787,6 @@
                 <a:latin typeface="Space Grotesk"/>
               </a:rPr>
               <a:t> are inserted, updated, or deleted.</a:t>
-            </a:r>
-          </a:p>
-          <a:p>
-            <a:r>
-              <a:rPr lang="en-US" sz="1400" b="1" dirty="0">
-                <a:latin typeface="Space Grotesk"/>
-              </a:rPr>
-              <a:t>Stored Procedure:</a:t>
-            </a:r>
-          </a:p>
-          <a:p>
-            <a:r>
-              <a:rPr lang="en-US" sz="1400" b="1" dirty="0">
-                <a:latin typeface="Space Grotesk"/>
-              </a:rPr>
-              <a:t>  </a:t>
-            </a:r>
-            <a:r>
-              <a:rPr lang="en-US" sz="1400" b="1" dirty="0" err="1">
-                <a:latin typeface="Space Grotesk"/>
-              </a:rPr>
-              <a:t>GetOrdersPaged</a:t>
-            </a:r>
-            <a:r>
-              <a:rPr lang="en-US" sz="1400" dirty="0">
-                <a:latin typeface="Space Grotesk"/>
-              </a:rPr>
-              <a:t>: Retrieves a paginated list of orders for a specific customer, allowing for efficient retrieval of large datasets.</a:t>
-            </a:r>
-          </a:p>
-          <a:p>
-            <a:r>
-              <a:rPr lang="en-US" sz="1400" b="1" dirty="0">
-                <a:latin typeface="Space Grotesk"/>
-              </a:rPr>
-              <a:t>Manual Transaction:</a:t>
-            </a:r>
-          </a:p>
-          <a:p>
-            <a:r>
-              <a:rPr lang="en-US" sz="1400" dirty="0">
-                <a:latin typeface="Space Grotesk"/>
-              </a:rPr>
-              <a:t>  Used BEGIN TRANSACTION, COMMIT, and ROLLBACK to ensure atomicity of database operations such as creating an order and adding order items.</a:t>
             </a:r>
           </a:p>
         </p:txBody>
@@ -8857,7 +8813,7 @@
         </p:blipFill>
         <p:spPr>
           <a:xfrm>
-            <a:off x="4042954" y="773845"/>
+            <a:off x="4046048" y="1707839"/>
             <a:ext cx="3407609" cy="590735"/>
           </a:xfrm>
           <a:prstGeom prst="rect">
@@ -8887,68 +8843,8 @@
         </p:blipFill>
         <p:spPr>
           <a:xfrm>
-            <a:off x="5123916" y="1476322"/>
+            <a:off x="5127010" y="2410316"/>
             <a:ext cx="3733998" cy="832382"/>
-          </a:xfrm>
-          <a:prstGeom prst="rect">
-            <a:avLst/>
-          </a:prstGeom>
-        </p:spPr>
-      </p:pic>
-      <p:pic>
-        <p:nvPicPr>
-          <p:cNvPr id="7" name="Picture 6">
-            <a:extLst>
-              <a:ext uri="{FF2B5EF4-FFF2-40B4-BE49-F238E27FC236}">
-                <a16:creationId xmlns:a16="http://schemas.microsoft.com/office/drawing/2014/main" id="{8F28ADCB-9FD3-68E8-96FD-3C8AA80BB1AF}"/>
-              </a:ext>
-            </a:extLst>
-          </p:cNvPr>
-          <p:cNvPicPr>
-            <a:picLocks noChangeAspect="1"/>
-          </p:cNvPicPr>
-          <p:nvPr/>
-        </p:nvPicPr>
-        <p:blipFill>
-          <a:blip r:embed="rId4"/>
-          <a:stretch>
-            <a:fillRect/>
-          </a:stretch>
-        </p:blipFill>
-        <p:spPr>
-          <a:xfrm>
-            <a:off x="4392321" y="2388230"/>
-            <a:ext cx="2653731" cy="1110297"/>
-          </a:xfrm>
-          <a:prstGeom prst="rect">
-            <a:avLst/>
-          </a:prstGeom>
-        </p:spPr>
-      </p:pic>
-      <p:pic>
-        <p:nvPicPr>
-          <p:cNvPr id="9" name="Picture 8">
-            <a:extLst>
-              <a:ext uri="{FF2B5EF4-FFF2-40B4-BE49-F238E27FC236}">
-                <a16:creationId xmlns:a16="http://schemas.microsoft.com/office/drawing/2014/main" id="{B34696A2-61CA-8005-9BA1-58A649A7343D}"/>
-              </a:ext>
-            </a:extLst>
-          </p:cNvPr>
-          <p:cNvPicPr>
-            <a:picLocks noChangeAspect="1"/>
-          </p:cNvPicPr>
-          <p:nvPr/>
-        </p:nvPicPr>
-        <p:blipFill>
-          <a:blip r:embed="rId5"/>
-          <a:stretch>
-            <a:fillRect/>
-          </a:stretch>
-        </p:blipFill>
-        <p:spPr>
-          <a:xfrm>
-            <a:off x="5837159" y="3578053"/>
-            <a:ext cx="2417787" cy="1433195"/>
           </a:xfrm>
           <a:prstGeom prst="rect">
             <a:avLst/>

--- a/Presentation.pptx
+++ b/Presentation.pptx
@@ -6102,7 +6102,7 @@
               <a:rPr lang="en-US" sz="1400" dirty="0">
                 <a:latin typeface="Space Grotesk"/>
               </a:rPr>
-              <a:t> file, including table creation, data manipulation, queries, joins, a view, a function and trigger.</a:t>
+              <a:t> file, including table creation, data manipulation, queries, joins, a view, a function, a manual transaction, a procedure and trigger.</a:t>
             </a:r>
             <a:endParaRPr lang="en-US" sz="2800" b="0" u="none" strike="noStrike" dirty="0">
               <a:solidFill>
@@ -8718,7 +8718,7 @@
         </p:spPr>
         <p:txBody>
           <a:bodyPr lIns="91440" tIns="91440" rIns="91440" bIns="91440" anchor="t">
-            <a:normAutofit/>
+            <a:normAutofit lnSpcReduction="10000"/>
           </a:bodyPr>
           <a:lstStyle/>
           <a:p>
@@ -8788,6 +8788,55 @@
               </a:rPr>
               <a:t> are inserted, updated, or deleted.</a:t>
             </a:r>
+          </a:p>
+          <a:p>
+            <a:r>
+              <a:rPr lang="en-US" sz="1400" b="1" dirty="0">
+                <a:latin typeface="Space Grotesk"/>
+              </a:rPr>
+              <a:t>Stored Procedure:</a:t>
+            </a:r>
+          </a:p>
+          <a:p>
+            <a:r>
+              <a:rPr lang="en-US" sz="1400" b="1" dirty="0">
+                <a:latin typeface="Space Grotesk"/>
+              </a:rPr>
+              <a:t>  </a:t>
+            </a:r>
+            <a:r>
+              <a:rPr lang="en-US" sz="1400" b="1" dirty="0" err="1">
+                <a:latin typeface="Space Grotesk"/>
+              </a:rPr>
+              <a:t>GetOrdersPaged</a:t>
+            </a:r>
+            <a:r>
+              <a:rPr lang="en-US" sz="1400" dirty="0">
+                <a:latin typeface="Space Grotesk"/>
+              </a:rPr>
+              <a:t>: Retrieves a paginated list of orders for a specific customer, allowing for efficient retrieval of large datasets.</a:t>
+            </a:r>
+          </a:p>
+          <a:p>
+            <a:r>
+              <a:rPr lang="en-US" sz="1400" b="1" dirty="0">
+                <a:latin typeface="Space Grotesk"/>
+              </a:rPr>
+              <a:t>Manual Transaction:</a:t>
+            </a:r>
+          </a:p>
+          <a:p>
+            <a:r>
+              <a:rPr lang="en-US" sz="1400" dirty="0">
+                <a:latin typeface="Space Grotesk"/>
+              </a:rPr>
+              <a:t>  Used BEGIN TRANSACTION, COMMIT, and ROLLBACK to ensure atomicity of database operations such as creating an order and adding order items</a:t>
+            </a:r>
+          </a:p>
+          <a:p>
+            <a:endParaRPr lang="en-US" sz="1400" dirty="0">
+              <a:latin typeface="Space Grotesk"/>
+            </a:endParaRPr>
           </a:p>
         </p:txBody>
       </p:sp>

--- a/Presentation.pptx
+++ b/Presentation.pptx
@@ -8705,7 +8705,7 @@
         </p:nvSpPr>
         <p:spPr>
           <a:xfrm>
-            <a:off x="286086" y="1476322"/>
+            <a:off x="227303" y="1169345"/>
             <a:ext cx="3407609" cy="3372404"/>
           </a:xfrm>
           <a:prstGeom prst="rect">
@@ -8862,7 +8862,7 @@
         </p:blipFill>
         <p:spPr>
           <a:xfrm>
-            <a:off x="4046048" y="1707839"/>
+            <a:off x="3954608" y="963256"/>
             <a:ext cx="3407609" cy="590735"/>
           </a:xfrm>
           <a:prstGeom prst="rect">
@@ -8892,7 +8892,7 @@
         </p:blipFill>
         <p:spPr>
           <a:xfrm>
-            <a:off x="5127010" y="2410316"/>
+            <a:off x="5035570" y="1665733"/>
             <a:ext cx="3733998" cy="832382"/>
           </a:xfrm>
           <a:prstGeom prst="rect">
@@ -8937,6 +8937,66 @@
           </a:p>
         </p:txBody>
       </p:sp>
+      <p:pic>
+        <p:nvPicPr>
+          <p:cNvPr id="4" name="Picture 3">
+            <a:extLst>
+              <a:ext uri="{FF2B5EF4-FFF2-40B4-BE49-F238E27FC236}">
+                <a16:creationId xmlns:a16="http://schemas.microsoft.com/office/drawing/2014/main" id="{1B1025C9-7239-266F-8A1D-F84F110DE486}"/>
+              </a:ext>
+            </a:extLst>
+          </p:cNvPr>
+          <p:cNvPicPr>
+            <a:picLocks noChangeAspect="1"/>
+          </p:cNvPicPr>
+          <p:nvPr/>
+        </p:nvPicPr>
+        <p:blipFill>
+          <a:blip r:embed="rId4"/>
+          <a:stretch>
+            <a:fillRect/>
+          </a:stretch>
+        </p:blipFill>
+        <p:spPr>
+          <a:xfrm>
+            <a:off x="3931163" y="2600979"/>
+            <a:ext cx="2167555" cy="1056621"/>
+          </a:xfrm>
+          <a:prstGeom prst="rect">
+            <a:avLst/>
+          </a:prstGeom>
+        </p:spPr>
+      </p:pic>
+      <p:pic>
+        <p:nvPicPr>
+          <p:cNvPr id="7" name="Picture 6">
+            <a:extLst>
+              <a:ext uri="{FF2B5EF4-FFF2-40B4-BE49-F238E27FC236}">
+                <a16:creationId xmlns:a16="http://schemas.microsoft.com/office/drawing/2014/main" id="{C575EC47-380B-54FF-3A07-BFA4FAF71877}"/>
+              </a:ext>
+            </a:extLst>
+          </p:cNvPr>
+          <p:cNvPicPr>
+            <a:picLocks noChangeAspect="1"/>
+          </p:cNvPicPr>
+          <p:nvPr/>
+        </p:nvPicPr>
+        <p:blipFill>
+          <a:blip r:embed="rId5"/>
+          <a:stretch>
+            <a:fillRect/>
+          </a:stretch>
+        </p:blipFill>
+        <p:spPr>
+          <a:xfrm>
+            <a:off x="6255594" y="3388161"/>
+            <a:ext cx="2213245" cy="1389220"/>
+          </a:xfrm>
+          <a:prstGeom prst="rect">
+            <a:avLst/>
+          </a:prstGeom>
+        </p:spPr>
+      </p:pic>
     </p:spTree>
   </p:cSld>
   <p:clrMapOvr>
